--- a/模式図.pptx
+++ b/模式図.pptx
@@ -6,6 +6,7 @@
   </p:sldMasterIdLst>
   <p:sldIdLst>
     <p:sldId id="256" r:id="rId2"/>
+    <p:sldId id="257" r:id="rId3"/>
   </p:sldIdLst>
   <p:sldSz cx="12192000" cy="6858000"/>
   <p:notesSz cx="6858000" cy="9144000"/>
@@ -104,6 +105,11 @@
       </a:defRPr>
     </a:lvl9pPr>
   </p:defaultTextStyle>
+  <p:extLst>
+    <p:ext uri="{EFAFB233-063F-42B5-8137-9DF3F51BA10A}">
+      <p15:sldGuideLst xmlns:p15="http://schemas.microsoft.com/office/powerpoint/2012/main"/>
+    </p:ext>
+  </p:extLst>
 </p:presentation>
 </file>
 
@@ -238,7 +244,7 @@
           <a:p>
             <a:fld id="{28E2E72C-4C5A-4D4E-B498-E09DE6A809F1}" type="datetimeFigureOut">
               <a:rPr kumimoji="1" lang="ja-JP" altLang="en-US" smtClean="0"/>
-              <a:t>2017/10/19</a:t>
+              <a:t>2017/10/26</a:t>
             </a:fld>
             <a:endParaRPr kumimoji="1" lang="ja-JP" altLang="en-US"/>
           </a:p>
@@ -440,7 +446,7 @@
           <a:p>
             <a:fld id="{28E2E72C-4C5A-4D4E-B498-E09DE6A809F1}" type="datetimeFigureOut">
               <a:rPr kumimoji="1" lang="ja-JP" altLang="en-US" smtClean="0"/>
-              <a:t>2017/10/19</a:t>
+              <a:t>2017/10/26</a:t>
             </a:fld>
             <a:endParaRPr kumimoji="1" lang="ja-JP" altLang="en-US"/>
           </a:p>
@@ -652,7 +658,7 @@
           <a:p>
             <a:fld id="{28E2E72C-4C5A-4D4E-B498-E09DE6A809F1}" type="datetimeFigureOut">
               <a:rPr kumimoji="1" lang="ja-JP" altLang="en-US" smtClean="0"/>
-              <a:t>2017/10/19</a:t>
+              <a:t>2017/10/26</a:t>
             </a:fld>
             <a:endParaRPr kumimoji="1" lang="ja-JP" altLang="en-US"/>
           </a:p>
@@ -854,7 +860,7 @@
           <a:p>
             <a:fld id="{28E2E72C-4C5A-4D4E-B498-E09DE6A809F1}" type="datetimeFigureOut">
               <a:rPr kumimoji="1" lang="ja-JP" altLang="en-US" smtClean="0"/>
-              <a:t>2017/10/19</a:t>
+              <a:t>2017/10/26</a:t>
             </a:fld>
             <a:endParaRPr kumimoji="1" lang="ja-JP" altLang="en-US"/>
           </a:p>
@@ -1100,7 +1106,7 @@
           <a:p>
             <a:fld id="{28E2E72C-4C5A-4D4E-B498-E09DE6A809F1}" type="datetimeFigureOut">
               <a:rPr kumimoji="1" lang="ja-JP" altLang="en-US" smtClean="0"/>
-              <a:t>2017/10/19</a:t>
+              <a:t>2017/10/26</a:t>
             </a:fld>
             <a:endParaRPr kumimoji="1" lang="ja-JP" altLang="en-US"/>
           </a:p>
@@ -1396,7 +1402,7 @@
           <a:p>
             <a:fld id="{28E2E72C-4C5A-4D4E-B498-E09DE6A809F1}" type="datetimeFigureOut">
               <a:rPr kumimoji="1" lang="ja-JP" altLang="en-US" smtClean="0"/>
-              <a:t>2017/10/19</a:t>
+              <a:t>2017/10/26</a:t>
             </a:fld>
             <a:endParaRPr kumimoji="1" lang="ja-JP" altLang="en-US"/>
           </a:p>
@@ -1827,7 +1833,7 @@
           <a:p>
             <a:fld id="{28E2E72C-4C5A-4D4E-B498-E09DE6A809F1}" type="datetimeFigureOut">
               <a:rPr kumimoji="1" lang="ja-JP" altLang="en-US" smtClean="0"/>
-              <a:t>2017/10/19</a:t>
+              <a:t>2017/10/26</a:t>
             </a:fld>
             <a:endParaRPr kumimoji="1" lang="ja-JP" altLang="en-US"/>
           </a:p>
@@ -1945,7 +1951,7 @@
           <a:p>
             <a:fld id="{28E2E72C-4C5A-4D4E-B498-E09DE6A809F1}" type="datetimeFigureOut">
               <a:rPr kumimoji="1" lang="ja-JP" altLang="en-US" smtClean="0"/>
-              <a:t>2017/10/19</a:t>
+              <a:t>2017/10/26</a:t>
             </a:fld>
             <a:endParaRPr kumimoji="1" lang="ja-JP" altLang="en-US"/>
           </a:p>
@@ -2040,7 +2046,7 @@
           <a:p>
             <a:fld id="{28E2E72C-4C5A-4D4E-B498-E09DE6A809F1}" type="datetimeFigureOut">
               <a:rPr kumimoji="1" lang="ja-JP" altLang="en-US" smtClean="0"/>
-              <a:t>2017/10/19</a:t>
+              <a:t>2017/10/26</a:t>
             </a:fld>
             <a:endParaRPr kumimoji="1" lang="ja-JP" altLang="en-US"/>
           </a:p>
@@ -2349,7 +2355,7 @@
           <a:p>
             <a:fld id="{28E2E72C-4C5A-4D4E-B498-E09DE6A809F1}" type="datetimeFigureOut">
               <a:rPr kumimoji="1" lang="ja-JP" altLang="en-US" smtClean="0"/>
-              <a:t>2017/10/19</a:t>
+              <a:t>2017/10/26</a:t>
             </a:fld>
             <a:endParaRPr kumimoji="1" lang="ja-JP" altLang="en-US"/>
           </a:p>
@@ -2602,7 +2608,7 @@
           <a:p>
             <a:fld id="{28E2E72C-4C5A-4D4E-B498-E09DE6A809F1}" type="datetimeFigureOut">
               <a:rPr kumimoji="1" lang="ja-JP" altLang="en-US" smtClean="0"/>
-              <a:t>2017/10/19</a:t>
+              <a:t>2017/10/26</a:t>
             </a:fld>
             <a:endParaRPr kumimoji="1" lang="ja-JP" altLang="en-US"/>
           </a:p>
@@ -2847,7 +2853,7 @@
           <a:p>
             <a:fld id="{28E2E72C-4C5A-4D4E-B498-E09DE6A809F1}" type="datetimeFigureOut">
               <a:rPr kumimoji="1" lang="ja-JP" altLang="en-US" smtClean="0"/>
-              <a:t>2017/10/19</a:t>
+              <a:t>2017/10/26</a:t>
             </a:fld>
             <a:endParaRPr kumimoji="1" lang="ja-JP" altLang="en-US"/>
           </a:p>
@@ -4715,6 +4721,1011 @@
 </p:sld>
 </file>
 
+<file path=ppt/slides/slide2.xml><?xml version="1.0" encoding="utf-8"?>
+<p:sld xmlns:a="http://schemas.openxmlformats.org/drawingml/2006/main" xmlns:r="http://schemas.openxmlformats.org/officeDocument/2006/relationships" xmlns:p="http://schemas.openxmlformats.org/presentationml/2006/main">
+  <p:cSld>
+    <p:spTree>
+      <p:nvGrpSpPr>
+        <p:cNvPr id="1" name=""/>
+        <p:cNvGrpSpPr/>
+        <p:nvPr/>
+      </p:nvGrpSpPr>
+      <p:grpSpPr>
+        <a:xfrm>
+          <a:off x="0" y="0"/>
+          <a:ext cx="0" cy="0"/>
+          <a:chOff x="0" y="0"/>
+          <a:chExt cx="0" cy="0"/>
+        </a:xfrm>
+      </p:grpSpPr>
+      <p:sp>
+        <p:nvSpPr>
+          <p:cNvPr id="4" name="正方形/長方形 3"/>
+          <p:cNvSpPr/>
+          <p:nvPr/>
+        </p:nvSpPr>
+        <p:spPr>
+          <a:xfrm>
+            <a:off x="3836914" y="541873"/>
+            <a:ext cx="1446414" cy="714895"/>
+          </a:xfrm>
+          <a:prstGeom prst="rect">
+            <a:avLst/>
+          </a:prstGeom>
+          <a:ln w="57150"/>
+        </p:spPr>
+        <p:style>
+          <a:lnRef idx="2">
+            <a:schemeClr val="dk1"/>
+          </a:lnRef>
+          <a:fillRef idx="1">
+            <a:schemeClr val="lt1"/>
+          </a:fillRef>
+          <a:effectRef idx="0">
+            <a:schemeClr val="dk1"/>
+          </a:effectRef>
+          <a:fontRef idx="minor">
+            <a:schemeClr val="dk1"/>
+          </a:fontRef>
+        </p:style>
+        <p:txBody>
+          <a:bodyPr rtlCol="0" anchor="ctr"/>
+          <a:lstStyle/>
+          <a:p>
+            <a:pPr algn="ctr"/>
+            <a:r>
+              <a:rPr kumimoji="1" lang="en-US" altLang="ja-JP" dirty="0" smtClean="0"/>
+              <a:t>CLK</a:t>
+            </a:r>
+            <a:endParaRPr kumimoji="1" lang="ja-JP" altLang="en-US" dirty="0"/>
+          </a:p>
+        </p:txBody>
+      </p:sp>
+      <p:sp>
+        <p:nvSpPr>
+          <p:cNvPr id="5" name="正方形/長方形 4"/>
+          <p:cNvSpPr/>
+          <p:nvPr/>
+        </p:nvSpPr>
+        <p:spPr>
+          <a:xfrm>
+            <a:off x="5854124" y="2483428"/>
+            <a:ext cx="1446414" cy="714895"/>
+          </a:xfrm>
+          <a:prstGeom prst="rect">
+            <a:avLst/>
+          </a:prstGeom>
+          <a:ln w="57150"/>
+        </p:spPr>
+        <p:style>
+          <a:lnRef idx="2">
+            <a:schemeClr val="dk1"/>
+          </a:lnRef>
+          <a:fillRef idx="1">
+            <a:schemeClr val="lt1"/>
+          </a:fillRef>
+          <a:effectRef idx="0">
+            <a:schemeClr val="dk1"/>
+          </a:effectRef>
+          <a:fontRef idx="minor">
+            <a:schemeClr val="dk1"/>
+          </a:fontRef>
+        </p:style>
+        <p:txBody>
+          <a:bodyPr rtlCol="0" anchor="ctr"/>
+          <a:lstStyle/>
+          <a:p>
+            <a:pPr algn="ctr"/>
+            <a:r>
+              <a:rPr lang="ja-JP" altLang="en-US" dirty="0"/>
+              <a:t>デコーダ</a:t>
+            </a:r>
+            <a:endParaRPr kumimoji="1" lang="ja-JP" altLang="en-US" dirty="0"/>
+          </a:p>
+        </p:txBody>
+      </p:sp>
+      <p:sp>
+        <p:nvSpPr>
+          <p:cNvPr id="6" name="正方形/長方形 5"/>
+          <p:cNvSpPr/>
+          <p:nvPr/>
+        </p:nvSpPr>
+        <p:spPr>
+          <a:xfrm>
+            <a:off x="994366" y="3018438"/>
+            <a:ext cx="1446414" cy="714895"/>
+          </a:xfrm>
+          <a:prstGeom prst="rect">
+            <a:avLst/>
+          </a:prstGeom>
+          <a:ln w="57150"/>
+        </p:spPr>
+        <p:style>
+          <a:lnRef idx="2">
+            <a:schemeClr val="dk1"/>
+          </a:lnRef>
+          <a:fillRef idx="1">
+            <a:schemeClr val="lt1"/>
+          </a:fillRef>
+          <a:effectRef idx="0">
+            <a:schemeClr val="dk1"/>
+          </a:effectRef>
+          <a:fontRef idx="minor">
+            <a:schemeClr val="dk1"/>
+          </a:fontRef>
+        </p:style>
+        <p:txBody>
+          <a:bodyPr rtlCol="0" anchor="ctr"/>
+          <a:lstStyle/>
+          <a:p>
+            <a:pPr algn="ctr"/>
+            <a:r>
+              <a:rPr kumimoji="1" lang="ja-JP" altLang="en-US" dirty="0" smtClean="0"/>
+              <a:t>汎用</a:t>
+            </a:r>
+            <a:r>
+              <a:rPr kumimoji="1" lang="en-US" altLang="ja-JP" dirty="0" smtClean="0"/>
+              <a:t/>
+            </a:r>
+            <a:br>
+              <a:rPr kumimoji="1" lang="en-US" altLang="ja-JP" dirty="0" smtClean="0"/>
+            </a:br>
+            <a:r>
+              <a:rPr kumimoji="1" lang="ja-JP" altLang="en-US" dirty="0" smtClean="0"/>
+              <a:t>レジスタ</a:t>
+            </a:r>
+            <a:endParaRPr kumimoji="1" lang="ja-JP" altLang="en-US" dirty="0"/>
+          </a:p>
+        </p:txBody>
+      </p:sp>
+      <p:sp>
+        <p:nvSpPr>
+          <p:cNvPr id="8" name="正方形/長方形 7"/>
+          <p:cNvSpPr/>
+          <p:nvPr/>
+        </p:nvSpPr>
+        <p:spPr>
+          <a:xfrm>
+            <a:off x="6489631" y="5630603"/>
+            <a:ext cx="1446414" cy="714895"/>
+          </a:xfrm>
+          <a:prstGeom prst="rect">
+            <a:avLst/>
+          </a:prstGeom>
+          <a:ln w="57150"/>
+        </p:spPr>
+        <p:style>
+          <a:lnRef idx="2">
+            <a:schemeClr val="dk1"/>
+          </a:lnRef>
+          <a:fillRef idx="1">
+            <a:schemeClr val="lt1"/>
+          </a:fillRef>
+          <a:effectRef idx="0">
+            <a:schemeClr val="dk1"/>
+          </a:effectRef>
+          <a:fontRef idx="minor">
+            <a:schemeClr val="dk1"/>
+          </a:fontRef>
+        </p:style>
+        <p:txBody>
+          <a:bodyPr rtlCol="0" anchor="ctr"/>
+          <a:lstStyle/>
+          <a:p>
+            <a:pPr algn="ctr"/>
+            <a:r>
+              <a:rPr lang="ja-JP" altLang="en-US" dirty="0" smtClean="0"/>
+              <a:t>フラグ</a:t>
+            </a:r>
+            <a:r>
+              <a:rPr lang="en-US" altLang="ja-JP" dirty="0" smtClean="0"/>
+              <a:t/>
+            </a:r>
+            <a:br>
+              <a:rPr lang="en-US" altLang="ja-JP" dirty="0" smtClean="0"/>
+            </a:br>
+            <a:r>
+              <a:rPr lang="ja-JP" altLang="en-US" dirty="0" smtClean="0"/>
+              <a:t>レジスタ</a:t>
+            </a:r>
+            <a:endParaRPr kumimoji="1" lang="ja-JP" altLang="en-US" dirty="0"/>
+          </a:p>
+        </p:txBody>
+      </p:sp>
+      <p:sp>
+        <p:nvSpPr>
+          <p:cNvPr id="9" name="正方形/長方形 8"/>
+          <p:cNvSpPr/>
+          <p:nvPr/>
+        </p:nvSpPr>
+        <p:spPr>
+          <a:xfrm>
+            <a:off x="5875419" y="554717"/>
+            <a:ext cx="1446414" cy="714895"/>
+          </a:xfrm>
+          <a:prstGeom prst="rect">
+            <a:avLst/>
+          </a:prstGeom>
+          <a:ln w="57150"/>
+        </p:spPr>
+        <p:style>
+          <a:lnRef idx="2">
+            <a:schemeClr val="dk1"/>
+          </a:lnRef>
+          <a:fillRef idx="1">
+            <a:schemeClr val="lt1"/>
+          </a:fillRef>
+          <a:effectRef idx="0">
+            <a:schemeClr val="dk1"/>
+          </a:effectRef>
+          <a:fontRef idx="minor">
+            <a:schemeClr val="dk1"/>
+          </a:fontRef>
+        </p:style>
+        <p:txBody>
+          <a:bodyPr rtlCol="0" anchor="ctr"/>
+          <a:lstStyle/>
+          <a:p>
+            <a:pPr algn="ctr"/>
+            <a:r>
+              <a:rPr lang="ja-JP" altLang="en-US" dirty="0" smtClean="0"/>
+              <a:t>プログラムレジスタ</a:t>
+            </a:r>
+            <a:endParaRPr kumimoji="1" lang="ja-JP" altLang="en-US" dirty="0"/>
+          </a:p>
+        </p:txBody>
+      </p:sp>
+      <p:sp>
+        <p:nvSpPr>
+          <p:cNvPr id="10" name="正方形/長方形 9"/>
+          <p:cNvSpPr/>
+          <p:nvPr/>
+        </p:nvSpPr>
+        <p:spPr>
+          <a:xfrm>
+            <a:off x="10018973" y="348708"/>
+            <a:ext cx="1446414" cy="3055624"/>
+          </a:xfrm>
+          <a:prstGeom prst="rect">
+            <a:avLst/>
+          </a:prstGeom>
+          <a:ln w="57150"/>
+        </p:spPr>
+        <p:style>
+          <a:lnRef idx="2">
+            <a:schemeClr val="dk1"/>
+          </a:lnRef>
+          <a:fillRef idx="1">
+            <a:schemeClr val="lt1"/>
+          </a:fillRef>
+          <a:effectRef idx="0">
+            <a:schemeClr val="dk1"/>
+          </a:effectRef>
+          <a:fontRef idx="minor">
+            <a:schemeClr val="dk1"/>
+          </a:fontRef>
+        </p:style>
+        <p:txBody>
+          <a:bodyPr rtlCol="0" anchor="ctr"/>
+          <a:lstStyle/>
+          <a:p>
+            <a:pPr algn="ctr"/>
+            <a:r>
+              <a:rPr lang="ja-JP" altLang="en-US" dirty="0" smtClean="0"/>
+              <a:t>メモリ</a:t>
+            </a:r>
+            <a:endParaRPr kumimoji="1" lang="ja-JP" altLang="en-US" dirty="0"/>
+          </a:p>
+        </p:txBody>
+      </p:sp>
+      <p:grpSp>
+        <p:nvGrpSpPr>
+          <p:cNvPr id="19" name="グループ化 18"/>
+          <p:cNvGrpSpPr/>
+          <p:nvPr/>
+        </p:nvGrpSpPr>
+        <p:grpSpPr>
+          <a:xfrm>
+            <a:off x="3179455" y="4795174"/>
+            <a:ext cx="2732120" cy="1550324"/>
+            <a:chOff x="7908171" y="931025"/>
+            <a:chExt cx="2732120" cy="1550324"/>
+          </a:xfrm>
+        </p:grpSpPr>
+        <p:sp>
+          <p:nvSpPr>
+            <p:cNvPr id="16" name="平行四辺形 15"/>
+            <p:cNvSpPr/>
+            <p:nvPr/>
+          </p:nvSpPr>
+          <p:spPr>
+            <a:xfrm>
+              <a:off x="9077498" y="931025"/>
+              <a:ext cx="1562793" cy="1550324"/>
+            </a:xfrm>
+            <a:prstGeom prst="parallelogram">
+              <a:avLst/>
+            </a:prstGeom>
+            <a:ln w="38100"/>
+          </p:spPr>
+          <p:style>
+            <a:lnRef idx="2">
+              <a:schemeClr val="dk1"/>
+            </a:lnRef>
+            <a:fillRef idx="1">
+              <a:schemeClr val="lt1"/>
+            </a:fillRef>
+            <a:effectRef idx="0">
+              <a:schemeClr val="dk1"/>
+            </a:effectRef>
+            <a:fontRef idx="minor">
+              <a:schemeClr val="dk1"/>
+            </a:fontRef>
+          </p:style>
+          <p:txBody>
+            <a:bodyPr rtlCol="0" anchor="ctr"/>
+            <a:lstStyle/>
+            <a:p>
+              <a:pPr algn="ctr"/>
+              <a:endParaRPr kumimoji="1" lang="ja-JP" altLang="en-US"/>
+            </a:p>
+          </p:txBody>
+        </p:sp>
+        <p:sp>
+          <p:nvSpPr>
+            <p:cNvPr id="17" name="平行四辺形 16"/>
+            <p:cNvSpPr/>
+            <p:nvPr/>
+          </p:nvSpPr>
+          <p:spPr>
+            <a:xfrm flipH="1">
+              <a:off x="7908171" y="934488"/>
+              <a:ext cx="1562793" cy="1546861"/>
+            </a:xfrm>
+            <a:prstGeom prst="parallelogram">
+              <a:avLst/>
+            </a:prstGeom>
+            <a:ln w="38100"/>
+          </p:spPr>
+          <p:style>
+            <a:lnRef idx="2">
+              <a:schemeClr val="dk1"/>
+            </a:lnRef>
+            <a:fillRef idx="1">
+              <a:schemeClr val="lt1"/>
+            </a:fillRef>
+            <a:effectRef idx="0">
+              <a:schemeClr val="dk1"/>
+            </a:effectRef>
+            <a:fontRef idx="minor">
+              <a:schemeClr val="dk1"/>
+            </a:fontRef>
+          </p:style>
+          <p:txBody>
+            <a:bodyPr rtlCol="0" anchor="ctr"/>
+            <a:lstStyle/>
+            <a:p>
+              <a:pPr algn="ctr"/>
+              <a:endParaRPr kumimoji="1" lang="ja-JP" altLang="en-US"/>
+            </a:p>
+          </p:txBody>
+        </p:sp>
+        <p:sp>
+          <p:nvSpPr>
+            <p:cNvPr id="18" name="正方形/長方形 17"/>
+            <p:cNvSpPr/>
+            <p:nvPr/>
+          </p:nvSpPr>
+          <p:spPr>
+            <a:xfrm>
+              <a:off x="8429107" y="1712422"/>
+              <a:ext cx="1729046" cy="748143"/>
+            </a:xfrm>
+            <a:prstGeom prst="rect">
+              <a:avLst/>
+            </a:prstGeom>
+            <a:solidFill>
+              <a:schemeClr val="bg1"/>
+            </a:solidFill>
+            <a:ln>
+              <a:noFill/>
+            </a:ln>
+          </p:spPr>
+          <p:style>
+            <a:lnRef idx="2">
+              <a:schemeClr val="accent1">
+                <a:shade val="50000"/>
+              </a:schemeClr>
+            </a:lnRef>
+            <a:fillRef idx="1">
+              <a:schemeClr val="accent1"/>
+            </a:fillRef>
+            <a:effectRef idx="0">
+              <a:schemeClr val="accent1"/>
+            </a:effectRef>
+            <a:fontRef idx="minor">
+              <a:schemeClr val="lt1"/>
+            </a:fontRef>
+          </p:style>
+          <p:txBody>
+            <a:bodyPr rtlCol="0" anchor="ctr"/>
+            <a:lstStyle/>
+            <a:p>
+              <a:pPr algn="ctr"/>
+              <a:r>
+                <a:rPr kumimoji="1" lang="en-US" altLang="ja-JP" dirty="0" smtClean="0">
+                  <a:solidFill>
+                    <a:schemeClr val="tx1"/>
+                  </a:solidFill>
+                </a:rPr>
+                <a:t>ALU</a:t>
+              </a:r>
+              <a:endParaRPr kumimoji="1" lang="ja-JP" altLang="en-US" dirty="0">
+                <a:solidFill>
+                  <a:schemeClr val="tx1"/>
+                </a:solidFill>
+              </a:endParaRPr>
+            </a:p>
+          </p:txBody>
+        </p:sp>
+      </p:grpSp>
+      <p:sp>
+        <p:nvSpPr>
+          <p:cNvPr id="20" name="正方形/長方形 19"/>
+          <p:cNvSpPr/>
+          <p:nvPr/>
+        </p:nvSpPr>
+        <p:spPr>
+          <a:xfrm>
+            <a:off x="8057148" y="554717"/>
+            <a:ext cx="1446414" cy="714895"/>
+          </a:xfrm>
+          <a:prstGeom prst="rect">
+            <a:avLst/>
+          </a:prstGeom>
+          <a:ln w="57150"/>
+        </p:spPr>
+        <p:style>
+          <a:lnRef idx="2">
+            <a:schemeClr val="dk1"/>
+          </a:lnRef>
+          <a:fillRef idx="1">
+            <a:schemeClr val="lt1"/>
+          </a:fillRef>
+          <a:effectRef idx="0">
+            <a:schemeClr val="dk1"/>
+          </a:effectRef>
+          <a:fontRef idx="minor">
+            <a:schemeClr val="dk1"/>
+          </a:fontRef>
+        </p:style>
+        <p:txBody>
+          <a:bodyPr rtlCol="0" anchor="ctr"/>
+          <a:lstStyle/>
+          <a:p>
+            <a:pPr algn="ctr"/>
+            <a:r>
+              <a:rPr lang="en-US" altLang="ja-JP" dirty="0" smtClean="0"/>
+              <a:t>MAR</a:t>
+            </a:r>
+            <a:endParaRPr kumimoji="1" lang="ja-JP" altLang="en-US" dirty="0"/>
+          </a:p>
+        </p:txBody>
+      </p:sp>
+      <p:sp>
+        <p:nvSpPr>
+          <p:cNvPr id="21" name="正方形/長方形 20"/>
+          <p:cNvSpPr/>
+          <p:nvPr/>
+        </p:nvSpPr>
+        <p:spPr>
+          <a:xfrm>
+            <a:off x="8001762" y="2483427"/>
+            <a:ext cx="1446414" cy="714895"/>
+          </a:xfrm>
+          <a:prstGeom prst="rect">
+            <a:avLst/>
+          </a:prstGeom>
+          <a:ln w="57150"/>
+        </p:spPr>
+        <p:style>
+          <a:lnRef idx="2">
+            <a:schemeClr val="dk1"/>
+          </a:lnRef>
+          <a:fillRef idx="1">
+            <a:schemeClr val="lt1"/>
+          </a:fillRef>
+          <a:effectRef idx="0">
+            <a:schemeClr val="dk1"/>
+          </a:effectRef>
+          <a:fontRef idx="minor">
+            <a:schemeClr val="dk1"/>
+          </a:fontRef>
+        </p:style>
+        <p:txBody>
+          <a:bodyPr rtlCol="0" anchor="ctr"/>
+          <a:lstStyle/>
+          <a:p>
+            <a:pPr algn="ctr"/>
+            <a:r>
+              <a:rPr lang="en-US" altLang="ja-JP" dirty="0" smtClean="0"/>
+              <a:t>MDR</a:t>
+            </a:r>
+            <a:endParaRPr kumimoji="1" lang="ja-JP" altLang="en-US" dirty="0"/>
+          </a:p>
+        </p:txBody>
+      </p:sp>
+      <p:sp>
+        <p:nvSpPr>
+          <p:cNvPr id="84" name="正方形/長方形 83"/>
+          <p:cNvSpPr/>
+          <p:nvPr/>
+        </p:nvSpPr>
+        <p:spPr>
+          <a:xfrm>
+            <a:off x="9067163" y="4533773"/>
+            <a:ext cx="1675017" cy="955275"/>
+          </a:xfrm>
+          <a:prstGeom prst="rect">
+            <a:avLst/>
+          </a:prstGeom>
+          <a:ln w="12700"/>
+        </p:spPr>
+        <p:style>
+          <a:lnRef idx="2">
+            <a:schemeClr val="dk1"/>
+          </a:lnRef>
+          <a:fillRef idx="1">
+            <a:schemeClr val="lt1"/>
+          </a:fillRef>
+          <a:effectRef idx="0">
+            <a:schemeClr val="dk1"/>
+          </a:effectRef>
+          <a:fontRef idx="minor">
+            <a:schemeClr val="dk1"/>
+          </a:fontRef>
+        </p:style>
+        <p:txBody>
+          <a:bodyPr rtlCol="0" anchor="ctr"/>
+          <a:lstStyle/>
+          <a:p>
+            <a:pPr algn="ctr"/>
+            <a:r>
+              <a:rPr lang="en-US" altLang="ja-JP" dirty="0" smtClean="0"/>
+              <a:t>MAR,</a:t>
+            </a:r>
+            <a:r>
+              <a:rPr lang="ja-JP" altLang="en-US" dirty="0"/>
+              <a:t> </a:t>
+            </a:r>
+            <a:r>
+              <a:rPr lang="en-US" altLang="ja-JP" dirty="0" smtClean="0"/>
+              <a:t>MDR, </a:t>
+            </a:r>
+            <a:br>
+              <a:rPr lang="en-US" altLang="ja-JP" dirty="0" smtClean="0"/>
+            </a:br>
+            <a:r>
+              <a:rPr lang="ja-JP" altLang="en-US" dirty="0" smtClean="0"/>
+              <a:t>汎用レジスタ</a:t>
+            </a:r>
+            <a:endParaRPr kumimoji="1" lang="ja-JP" altLang="en-US" dirty="0"/>
+          </a:p>
+        </p:txBody>
+      </p:sp>
+      <p:sp>
+        <p:nvSpPr>
+          <p:cNvPr id="43" name="正方形/長方形 42"/>
+          <p:cNvSpPr/>
+          <p:nvPr/>
+        </p:nvSpPr>
+        <p:spPr>
+          <a:xfrm>
+            <a:off x="3836914" y="2485397"/>
+            <a:ext cx="1446414" cy="714895"/>
+          </a:xfrm>
+          <a:prstGeom prst="rect">
+            <a:avLst/>
+          </a:prstGeom>
+          <a:ln w="57150"/>
+        </p:spPr>
+        <p:style>
+          <a:lnRef idx="2">
+            <a:schemeClr val="dk1"/>
+          </a:lnRef>
+          <a:fillRef idx="1">
+            <a:schemeClr val="lt1"/>
+          </a:fillRef>
+          <a:effectRef idx="0">
+            <a:schemeClr val="dk1"/>
+          </a:effectRef>
+          <a:fontRef idx="minor">
+            <a:schemeClr val="dk1"/>
+          </a:fontRef>
+        </p:style>
+        <p:txBody>
+          <a:bodyPr rtlCol="0" anchor="ctr"/>
+          <a:lstStyle/>
+          <a:p>
+            <a:pPr algn="ctr"/>
+            <a:r>
+              <a:rPr kumimoji="1" lang="ja-JP" altLang="en-US" dirty="0" smtClean="0"/>
+              <a:t>バス</a:t>
+            </a:r>
+            <a:r>
+              <a:rPr kumimoji="1" lang="en-US" altLang="ja-JP" dirty="0" smtClean="0"/>
+              <a:t>A</a:t>
+            </a:r>
+            <a:br>
+              <a:rPr kumimoji="1" lang="en-US" altLang="ja-JP" dirty="0" smtClean="0"/>
+            </a:br>
+            <a:r>
+              <a:rPr kumimoji="1" lang="en-US" altLang="ja-JP" dirty="0" smtClean="0"/>
+              <a:t>MUX</a:t>
+            </a:r>
+            <a:endParaRPr kumimoji="1" lang="ja-JP" altLang="en-US" dirty="0"/>
+          </a:p>
+        </p:txBody>
+      </p:sp>
+      <p:sp>
+        <p:nvSpPr>
+          <p:cNvPr id="44" name="正方形/長方形 43"/>
+          <p:cNvSpPr/>
+          <p:nvPr/>
+        </p:nvSpPr>
+        <p:spPr>
+          <a:xfrm>
+            <a:off x="3822308" y="3599475"/>
+            <a:ext cx="1446414" cy="714895"/>
+          </a:xfrm>
+          <a:prstGeom prst="rect">
+            <a:avLst/>
+          </a:prstGeom>
+          <a:ln w="57150"/>
+        </p:spPr>
+        <p:style>
+          <a:lnRef idx="2">
+            <a:schemeClr val="dk1"/>
+          </a:lnRef>
+          <a:fillRef idx="1">
+            <a:schemeClr val="lt1"/>
+          </a:fillRef>
+          <a:effectRef idx="0">
+            <a:schemeClr val="dk1"/>
+          </a:effectRef>
+          <a:fontRef idx="minor">
+            <a:schemeClr val="dk1"/>
+          </a:fontRef>
+        </p:style>
+        <p:txBody>
+          <a:bodyPr rtlCol="0" anchor="ctr"/>
+          <a:lstStyle/>
+          <a:p>
+            <a:pPr algn="ctr"/>
+            <a:r>
+              <a:rPr kumimoji="1" lang="ja-JP" altLang="en-US" dirty="0" smtClean="0"/>
+              <a:t>バス</a:t>
+            </a:r>
+            <a:r>
+              <a:rPr lang="en-US" altLang="ja-JP" dirty="0" smtClean="0"/>
+              <a:t>B</a:t>
+            </a:r>
+            <a:br>
+              <a:rPr lang="en-US" altLang="ja-JP" dirty="0" smtClean="0"/>
+            </a:br>
+            <a:r>
+              <a:rPr lang="en-US" altLang="ja-JP" dirty="0" smtClean="0"/>
+              <a:t>MUX</a:t>
+            </a:r>
+            <a:endParaRPr kumimoji="1" lang="ja-JP" altLang="en-US" dirty="0"/>
+          </a:p>
+        </p:txBody>
+      </p:sp>
+      <p:sp>
+        <p:nvSpPr>
+          <p:cNvPr id="48" name="正方形/長方形 47"/>
+          <p:cNvSpPr/>
+          <p:nvPr/>
+        </p:nvSpPr>
+        <p:spPr>
+          <a:xfrm>
+            <a:off x="6489631" y="4615040"/>
+            <a:ext cx="1446414" cy="714895"/>
+          </a:xfrm>
+          <a:prstGeom prst="rect">
+            <a:avLst/>
+          </a:prstGeom>
+          <a:ln w="57150"/>
+        </p:spPr>
+        <p:style>
+          <a:lnRef idx="2">
+            <a:schemeClr val="dk1"/>
+          </a:lnRef>
+          <a:fillRef idx="1">
+            <a:schemeClr val="lt1"/>
+          </a:fillRef>
+          <a:effectRef idx="0">
+            <a:schemeClr val="dk1"/>
+          </a:effectRef>
+          <a:fontRef idx="minor">
+            <a:schemeClr val="dk1"/>
+          </a:fontRef>
+        </p:style>
+        <p:txBody>
+          <a:bodyPr rtlCol="0" anchor="ctr"/>
+          <a:lstStyle/>
+          <a:p>
+            <a:pPr algn="ctr"/>
+            <a:r>
+              <a:rPr kumimoji="1" lang="ja-JP" altLang="en-US" dirty="0" smtClean="0"/>
+              <a:t>バス</a:t>
+            </a:r>
+            <a:r>
+              <a:rPr lang="en-US" altLang="ja-JP" dirty="0" smtClean="0"/>
+              <a:t>C</a:t>
+            </a:r>
+            <a:br>
+              <a:rPr lang="en-US" altLang="ja-JP" dirty="0" smtClean="0"/>
+            </a:br>
+            <a:r>
+              <a:rPr lang="en-US" altLang="ja-JP" dirty="0" smtClean="0"/>
+              <a:t>DMUX</a:t>
+            </a:r>
+            <a:endParaRPr kumimoji="1" lang="ja-JP" altLang="en-US" dirty="0"/>
+          </a:p>
+        </p:txBody>
+      </p:sp>
+      <p:sp>
+        <p:nvSpPr>
+          <p:cNvPr id="2" name="右矢印 1"/>
+          <p:cNvSpPr/>
+          <p:nvPr/>
+        </p:nvSpPr>
+        <p:spPr>
+          <a:xfrm>
+            <a:off x="2619452" y="3006255"/>
+            <a:ext cx="1038986" cy="746239"/>
+          </a:xfrm>
+          <a:prstGeom prst="rightArrow">
+            <a:avLst/>
+          </a:prstGeom>
+        </p:spPr>
+        <p:style>
+          <a:lnRef idx="2">
+            <a:schemeClr val="accent1">
+              <a:shade val="50000"/>
+            </a:schemeClr>
+          </a:lnRef>
+          <a:fillRef idx="1">
+            <a:schemeClr val="accent1"/>
+          </a:fillRef>
+          <a:effectRef idx="0">
+            <a:schemeClr val="accent1"/>
+          </a:effectRef>
+          <a:fontRef idx="minor">
+            <a:schemeClr val="lt1"/>
+          </a:fontRef>
+        </p:style>
+        <p:txBody>
+          <a:bodyPr rtlCol="0" anchor="ctr"/>
+          <a:lstStyle/>
+          <a:p>
+            <a:pPr algn="ctr"/>
+            <a:endParaRPr kumimoji="1" lang="ja-JP" altLang="en-US"/>
+          </a:p>
+        </p:txBody>
+      </p:sp>
+      <p:cxnSp>
+        <p:nvCxnSpPr>
+          <p:cNvPr id="11" name="カギ線コネクタ 10"/>
+          <p:cNvCxnSpPr>
+            <a:stCxn id="21" idx="2"/>
+            <a:endCxn id="44" idx="3"/>
+          </p:cNvCxnSpPr>
+          <p:nvPr/>
+        </p:nvCxnSpPr>
+        <p:spPr>
+          <a:xfrm rot="5400000">
+            <a:off x="6617546" y="1849499"/>
+            <a:ext cx="758601" cy="3456247"/>
+          </a:xfrm>
+          <a:prstGeom prst="bentConnector2">
+            <a:avLst/>
+          </a:prstGeom>
+          <a:ln>
+            <a:tailEnd type="triangle"/>
+          </a:ln>
+        </p:spPr>
+        <p:style>
+          <a:lnRef idx="1">
+            <a:schemeClr val="accent1"/>
+          </a:lnRef>
+          <a:fillRef idx="0">
+            <a:schemeClr val="accent1"/>
+          </a:fillRef>
+          <a:effectRef idx="0">
+            <a:schemeClr val="accent1"/>
+          </a:effectRef>
+          <a:fontRef idx="minor">
+            <a:schemeClr val="tx1"/>
+          </a:fontRef>
+        </p:style>
+      </p:cxnSp>
+      <p:cxnSp>
+        <p:nvCxnSpPr>
+          <p:cNvPr id="35" name="カギ線コネクタ 34"/>
+          <p:cNvCxnSpPr>
+            <a:stCxn id="5" idx="2"/>
+            <a:endCxn id="20" idx="0"/>
+          </p:cNvCxnSpPr>
+          <p:nvPr/>
+        </p:nvCxnSpPr>
+        <p:spPr>
+          <a:xfrm rot="5400000" flipH="1" flipV="1">
+            <a:off x="6357040" y="775008"/>
+            <a:ext cx="2643606" cy="2203024"/>
+          </a:xfrm>
+          <a:prstGeom prst="bentConnector5">
+            <a:avLst>
+              <a:gd name="adj1" fmla="val -8647"/>
+              <a:gd name="adj2" fmla="val 50000"/>
+              <a:gd name="adj3" fmla="val 108647"/>
+            </a:avLst>
+          </a:prstGeom>
+          <a:ln>
+            <a:tailEnd type="triangle"/>
+          </a:ln>
+        </p:spPr>
+        <p:style>
+          <a:lnRef idx="1">
+            <a:schemeClr val="accent1"/>
+          </a:lnRef>
+          <a:fillRef idx="0">
+            <a:schemeClr val="accent1"/>
+          </a:fillRef>
+          <a:effectRef idx="0">
+            <a:schemeClr val="accent1"/>
+          </a:effectRef>
+          <a:fontRef idx="minor">
+            <a:schemeClr val="tx1"/>
+          </a:fontRef>
+        </p:style>
+      </p:cxnSp>
+      <p:sp>
+        <p:nvSpPr>
+          <p:cNvPr id="68" name="屈折矢印 67"/>
+          <p:cNvSpPr/>
+          <p:nvPr/>
+        </p:nvSpPr>
+        <p:spPr>
+          <a:xfrm rot="16200000" flipH="1">
+            <a:off x="5280469" y="3342451"/>
+            <a:ext cx="1129929" cy="1124210"/>
+          </a:xfrm>
+          <a:prstGeom prst="bentUpArrow">
+            <a:avLst>
+              <a:gd name="adj1" fmla="val 16586"/>
+              <a:gd name="adj2" fmla="val 19390"/>
+              <a:gd name="adj3" fmla="val 33414"/>
+            </a:avLst>
+          </a:prstGeom>
+        </p:spPr>
+        <p:style>
+          <a:lnRef idx="2">
+            <a:schemeClr val="accent1">
+              <a:shade val="50000"/>
+            </a:schemeClr>
+          </a:lnRef>
+          <a:fillRef idx="1">
+            <a:schemeClr val="accent1"/>
+          </a:fillRef>
+          <a:effectRef idx="0">
+            <a:schemeClr val="accent1"/>
+          </a:effectRef>
+          <a:fontRef idx="minor">
+            <a:schemeClr val="lt1"/>
+          </a:fontRef>
+        </p:style>
+        <p:txBody>
+          <a:bodyPr rtlCol="0" anchor="ctr"/>
+          <a:lstStyle/>
+          <a:p>
+            <a:pPr algn="ctr"/>
+            <a:endParaRPr kumimoji="1" lang="ja-JP" altLang="en-US"/>
+          </a:p>
+        </p:txBody>
+      </p:sp>
+      <p:cxnSp>
+        <p:nvCxnSpPr>
+          <p:cNvPr id="73" name="カギ線コネクタ 72"/>
+          <p:cNvCxnSpPr>
+            <a:stCxn id="5" idx="3"/>
+            <a:endCxn id="10" idx="1"/>
+          </p:cNvCxnSpPr>
+          <p:nvPr/>
+        </p:nvCxnSpPr>
+        <p:spPr>
+          <a:xfrm flipV="1">
+            <a:off x="7300538" y="1876520"/>
+            <a:ext cx="2718435" cy="964356"/>
+          </a:xfrm>
+          <a:prstGeom prst="bentConnector3">
+            <a:avLst>
+              <a:gd name="adj1" fmla="val 50000"/>
+            </a:avLst>
+          </a:prstGeom>
+          <a:ln>
+            <a:tailEnd type="triangle"/>
+          </a:ln>
+        </p:spPr>
+        <p:style>
+          <a:lnRef idx="1">
+            <a:schemeClr val="accent1"/>
+          </a:lnRef>
+          <a:fillRef idx="0">
+            <a:schemeClr val="accent1"/>
+          </a:fillRef>
+          <a:effectRef idx="0">
+            <a:schemeClr val="accent1"/>
+          </a:effectRef>
+          <a:fontRef idx="minor">
+            <a:schemeClr val="tx1"/>
+          </a:fontRef>
+        </p:style>
+      </p:cxnSp>
+      <p:sp>
+        <p:nvSpPr>
+          <p:cNvPr id="78" name="右矢印 77"/>
+          <p:cNvSpPr/>
+          <p:nvPr/>
+        </p:nvSpPr>
+        <p:spPr>
+          <a:xfrm>
+            <a:off x="8103696" y="4656136"/>
+            <a:ext cx="795815" cy="673799"/>
+          </a:xfrm>
+          <a:prstGeom prst="rightArrow">
+            <a:avLst/>
+          </a:prstGeom>
+        </p:spPr>
+        <p:style>
+          <a:lnRef idx="2">
+            <a:schemeClr val="accent1">
+              <a:shade val="50000"/>
+            </a:schemeClr>
+          </a:lnRef>
+          <a:fillRef idx="1">
+            <a:schemeClr val="accent1"/>
+          </a:fillRef>
+          <a:effectRef idx="0">
+            <a:schemeClr val="accent1"/>
+          </a:effectRef>
+          <a:fontRef idx="minor">
+            <a:schemeClr val="lt1"/>
+          </a:fontRef>
+        </p:style>
+        <p:txBody>
+          <a:bodyPr rtlCol="0" anchor="ctr"/>
+          <a:lstStyle/>
+          <a:p>
+            <a:pPr algn="ctr"/>
+            <a:endParaRPr kumimoji="1" lang="ja-JP" altLang="en-US"/>
+          </a:p>
+        </p:txBody>
+      </p:sp>
+    </p:spTree>
+    <p:extLst>
+      <p:ext uri="{BB962C8B-B14F-4D97-AF65-F5344CB8AC3E}">
+        <p14:creationId xmlns:p14="http://schemas.microsoft.com/office/powerpoint/2010/main" val="613265003"/>
+      </p:ext>
+    </p:extLst>
+  </p:cSld>
+  <p:clrMapOvr>
+    <a:masterClrMapping/>
+  </p:clrMapOvr>
+</p:sld>
+</file>
+
 <file path=ppt/theme/theme1.xml><?xml version="1.0" encoding="utf-8"?>
 <a:theme xmlns:a="http://schemas.openxmlformats.org/drawingml/2006/main" name="Office テーマ">
   <a:themeElements>
